--- a/edna-eas-feb-2022-eda-excel.pptx
+++ b/edna-eas-feb-2022-eda-excel.pptx
@@ -7,66 +7,67 @@
   <p:sldIdLst>
     <p:sldId id="256" r:id="rId5"/>
     <p:sldId id="267" r:id="rId6"/>
-    <p:sldId id="259" r:id="rId7"/>
-    <p:sldId id="265" r:id="rId8"/>
-    <p:sldId id="268" r:id="rId9"/>
-    <p:sldId id="269" r:id="rId10"/>
-    <p:sldId id="264" r:id="rId11"/>
-    <p:sldId id="262" r:id="rId12"/>
-    <p:sldId id="257" r:id="rId13"/>
-    <p:sldId id="258" r:id="rId14"/>
-    <p:sldId id="260" r:id="rId15"/>
-    <p:sldId id="261" r:id="rId16"/>
-    <p:sldId id="263" r:id="rId17"/>
-    <p:sldId id="266" r:id="rId18"/>
+    <p:sldId id="270" r:id="rId7"/>
+    <p:sldId id="259" r:id="rId8"/>
+    <p:sldId id="265" r:id="rId9"/>
+    <p:sldId id="268" r:id="rId10"/>
+    <p:sldId id="269" r:id="rId11"/>
+    <p:sldId id="264" r:id="rId12"/>
+    <p:sldId id="262" r:id="rId13"/>
+    <p:sldId id="257" r:id="rId14"/>
+    <p:sldId id="258" r:id="rId15"/>
+    <p:sldId id="260" r:id="rId16"/>
+    <p:sldId id="261" r:id="rId17"/>
+    <p:sldId id="263" r:id="rId18"/>
+    <p:sldId id="266" r:id="rId19"/>
   </p:sldIdLst>
   <p:sldSz cx="18288000" cy="10287000"/>
   <p:notesSz cx="6858000" cy="9144000"/>
   <p:embeddedFontLst>
     <p:embeddedFont>
       <p:font typeface="Calibri" panose="020F0502020204030204" pitchFamily="34" charset="0"/>
-      <p:regular r:id="rId19"/>
-      <p:bold r:id="rId20"/>
-      <p:italic r:id="rId21"/>
-      <p:boldItalic r:id="rId22"/>
+      <p:regular r:id="rId20"/>
+      <p:bold r:id="rId21"/>
+      <p:italic r:id="rId22"/>
+      <p:boldItalic r:id="rId23"/>
     </p:embeddedFont>
     <p:embeddedFont>
       <p:font typeface="Consolas" panose="020B0609020204030204" pitchFamily="49" charset="0"/>
-      <p:regular r:id="rId23"/>
-      <p:bold r:id="rId24"/>
-      <p:italic r:id="rId25"/>
-      <p:boldItalic r:id="rId26"/>
+      <p:regular r:id="rId24"/>
+      <p:bold r:id="rId25"/>
+      <p:italic r:id="rId26"/>
+      <p:boldItalic r:id="rId27"/>
     </p:embeddedFont>
     <p:embeddedFont>
       <p:font typeface="Fira Sans" panose="020B0503050000020004" pitchFamily="34" charset="0"/>
-      <p:regular r:id="rId27"/>
-      <p:bold r:id="rId28"/>
-      <p:italic r:id="rId29"/>
-      <p:boldItalic r:id="rId30"/>
+      <p:regular r:id="rId28"/>
+      <p:bold r:id="rId29"/>
+      <p:italic r:id="rId30"/>
+      <p:boldItalic r:id="rId31"/>
     </p:embeddedFont>
     <p:embeddedFont>
       <p:font typeface="Fira Sans Black" panose="020B0A03050000020004" pitchFamily="34" charset="0"/>
-      <p:regular r:id="rId31"/>
-      <p:bold r:id="rId32"/>
-      <p:boldItalic r:id="rId33"/>
+      <p:regular r:id="rId32"/>
+      <p:bold r:id="rId33"/>
+      <p:boldItalic r:id="rId34"/>
     </p:embeddedFont>
     <p:embeddedFont>
       <p:font typeface="Fira Sans Bold" panose="020B0803050000020004" charset="0"/>
-      <p:regular r:id="rId34"/>
-      <p:bold r:id="rId35"/>
+      <p:regular r:id="rId35"/>
+      <p:bold r:id="rId36"/>
     </p:embeddedFont>
     <p:embeddedFont>
       <p:font typeface="Fira Sans Bold Bold" panose="020B0604020202020204" charset="0"/>
-      <p:regular r:id="rId36"/>
+      <p:regular r:id="rId37"/>
     </p:embeddedFont>
     <p:embeddedFont>
       <p:font typeface="Fira Sans Medium" panose="020B0603050000020004" pitchFamily="34" charset="0"/>
-      <p:regular r:id="rId37"/>
-      <p:italic r:id="rId38"/>
+      <p:regular r:id="rId38"/>
+      <p:italic r:id="rId39"/>
     </p:embeddedFont>
     <p:embeddedFont>
       <p:font typeface="Fira Sans Medium Bold" panose="020B0604020202020204" charset="0"/>
-      <p:regular r:id="rId39"/>
+      <p:regular r:id="rId40"/>
     </p:embeddedFont>
   </p:embeddedFontLst>
   <p:defaultTextStyle>
@@ -363,7 +364,7 @@
             <a:fld id="{1D8BD707-D9CF-40AE-B4C6-C98DA3205C09}" type="datetimeFigureOut">
               <a:rPr lang="en-US" smtClean="0"/>
               <a:pPr/>
-              <a:t>1/19/2022</a:t>
+              <a:t>1/21/2022</a:t>
             </a:fld>
             <a:endParaRPr lang="en-US"/>
           </a:p>
@@ -528,7 +529,7 @@
             <a:fld id="{1D8BD707-D9CF-40AE-B4C6-C98DA3205C09}" type="datetimeFigureOut">
               <a:rPr lang="en-US" smtClean="0"/>
               <a:pPr/>
-              <a:t>1/19/2022</a:t>
+              <a:t>1/21/2022</a:t>
             </a:fld>
             <a:endParaRPr lang="en-US"/>
           </a:p>
@@ -703,7 +704,7 @@
             <a:fld id="{1D8BD707-D9CF-40AE-B4C6-C98DA3205C09}" type="datetimeFigureOut">
               <a:rPr lang="en-US" smtClean="0"/>
               <a:pPr/>
-              <a:t>1/19/2022</a:t>
+              <a:t>1/21/2022</a:t>
             </a:fld>
             <a:endParaRPr lang="en-US"/>
           </a:p>
@@ -868,7 +869,7 @@
             <a:fld id="{1D8BD707-D9CF-40AE-B4C6-C98DA3205C09}" type="datetimeFigureOut">
               <a:rPr lang="en-US" smtClean="0"/>
               <a:pPr/>
-              <a:t>1/19/2022</a:t>
+              <a:t>1/21/2022</a:t>
             </a:fld>
             <a:endParaRPr lang="en-US"/>
           </a:p>
@@ -1110,7 +1111,7 @@
             <a:fld id="{1D8BD707-D9CF-40AE-B4C6-C98DA3205C09}" type="datetimeFigureOut">
               <a:rPr lang="en-US" smtClean="0"/>
               <a:pPr/>
-              <a:t>1/19/2022</a:t>
+              <a:t>1/21/2022</a:t>
             </a:fld>
             <a:endParaRPr lang="en-US"/>
           </a:p>
@@ -1392,7 +1393,7 @@
             <a:fld id="{1D8BD707-D9CF-40AE-B4C6-C98DA3205C09}" type="datetimeFigureOut">
               <a:rPr lang="en-US" smtClean="0"/>
               <a:pPr/>
-              <a:t>1/19/2022</a:t>
+              <a:t>1/21/2022</a:t>
             </a:fld>
             <a:endParaRPr lang="en-US"/>
           </a:p>
@@ -1808,7 +1809,7 @@
             <a:fld id="{1D8BD707-D9CF-40AE-B4C6-C98DA3205C09}" type="datetimeFigureOut">
               <a:rPr lang="en-US" smtClean="0"/>
               <a:pPr/>
-              <a:t>1/19/2022</a:t>
+              <a:t>1/21/2022</a:t>
             </a:fld>
             <a:endParaRPr lang="en-US"/>
           </a:p>
@@ -1922,7 +1923,7 @@
             <a:fld id="{1D8BD707-D9CF-40AE-B4C6-C98DA3205C09}" type="datetimeFigureOut">
               <a:rPr lang="en-US" smtClean="0"/>
               <a:pPr/>
-              <a:t>1/19/2022</a:t>
+              <a:t>1/21/2022</a:t>
             </a:fld>
             <a:endParaRPr lang="en-US"/>
           </a:p>
@@ -2014,7 +2015,7 @@
             <a:fld id="{1D8BD707-D9CF-40AE-B4C6-C98DA3205C09}" type="datetimeFigureOut">
               <a:rPr lang="en-US" smtClean="0"/>
               <a:pPr/>
-              <a:t>1/19/2022</a:t>
+              <a:t>1/21/2022</a:t>
             </a:fld>
             <a:endParaRPr lang="en-US"/>
           </a:p>
@@ -2286,7 +2287,7 @@
             <a:fld id="{1D8BD707-D9CF-40AE-B4C6-C98DA3205C09}" type="datetimeFigureOut">
               <a:rPr lang="en-US" smtClean="0"/>
               <a:pPr/>
-              <a:t>1/19/2022</a:t>
+              <a:t>1/21/2022</a:t>
             </a:fld>
             <a:endParaRPr lang="en-US"/>
           </a:p>
@@ -2535,7 +2536,7 @@
             <a:fld id="{1D8BD707-D9CF-40AE-B4C6-C98DA3205C09}" type="datetimeFigureOut">
               <a:rPr lang="en-US" smtClean="0"/>
               <a:pPr/>
-              <a:t>1/19/2022</a:t>
+              <a:t>1/21/2022</a:t>
             </a:fld>
             <a:endParaRPr lang="en-US"/>
           </a:p>
@@ -2743,7 +2744,7 @@
             <a:fld id="{1D8BD707-D9CF-40AE-B4C6-C98DA3205C09}" type="datetimeFigureOut">
               <a:rPr lang="en-US" smtClean="0"/>
               <a:pPr/>
-              <a:t>1/19/2022</a:t>
+              <a:t>1/21/2022</a:t>
             </a:fld>
             <a:endParaRPr lang="en-US"/>
           </a:p>
@@ -3262,6 +3263,146 @@
       </p:grpSpPr>
       <p:grpSp>
         <p:nvGrpSpPr>
+          <p:cNvPr id="4" name="Group 4"/>
+          <p:cNvGrpSpPr/>
+          <p:nvPr/>
+        </p:nvGrpSpPr>
+        <p:grpSpPr>
+          <a:xfrm rot="2426251">
+            <a:off x="14882915" y="6102218"/>
+            <a:ext cx="3264614" cy="7855002"/>
+            <a:chOff x="0" y="0"/>
+            <a:chExt cx="4771680" cy="11350786"/>
+          </a:xfrm>
+        </p:grpSpPr>
+        <p:pic>
+          <p:nvPicPr>
+            <p:cNvPr id="5" name="Picture 5"/>
+            <p:cNvPicPr>
+              <a:picLocks noChangeAspect="1"/>
+            </p:cNvPicPr>
+            <p:nvPr/>
+          </p:nvPicPr>
+          <p:blipFill>
+            <a:blip r:embed="rId2"/>
+            <a:srcRect/>
+            <a:stretch>
+              <a:fillRect/>
+            </a:stretch>
+          </p:blipFill>
+          <p:spPr>
+            <a:xfrm>
+              <a:off x="0" y="6579106"/>
+              <a:ext cx="4771680" cy="4771680"/>
+            </a:xfrm>
+            <a:prstGeom prst="rect">
+              <a:avLst/>
+            </a:prstGeom>
+          </p:spPr>
+        </p:pic>
+        <p:pic>
+          <p:nvPicPr>
+            <p:cNvPr id="6" name="Picture 6"/>
+            <p:cNvPicPr>
+              <a:picLocks noChangeAspect="1"/>
+            </p:cNvPicPr>
+            <p:nvPr/>
+          </p:nvPicPr>
+          <p:blipFill>
+            <a:blip r:embed="rId2"/>
+            <a:srcRect/>
+            <a:stretch>
+              <a:fillRect/>
+            </a:stretch>
+          </p:blipFill>
+          <p:spPr>
+            <a:xfrm>
+              <a:off x="0" y="3291575"/>
+              <a:ext cx="4771680" cy="4771680"/>
+            </a:xfrm>
+            <a:prstGeom prst="rect">
+              <a:avLst/>
+            </a:prstGeom>
+          </p:spPr>
+        </p:pic>
+        <p:pic>
+          <p:nvPicPr>
+            <p:cNvPr id="7" name="Picture 7"/>
+            <p:cNvPicPr>
+              <a:picLocks noChangeAspect="1"/>
+            </p:cNvPicPr>
+            <p:nvPr/>
+          </p:nvPicPr>
+          <p:blipFill>
+            <a:blip r:embed="rId3"/>
+            <a:srcRect/>
+            <a:stretch>
+              <a:fillRect/>
+            </a:stretch>
+          </p:blipFill>
+          <p:spPr>
+            <a:xfrm>
+              <a:off x="0" y="0"/>
+              <a:ext cx="4771680" cy="4771680"/>
+            </a:xfrm>
+            <a:prstGeom prst="rect">
+              <a:avLst/>
+            </a:prstGeom>
+          </p:spPr>
+        </p:pic>
+      </p:grpSp>
+      <p:pic>
+        <p:nvPicPr>
+          <p:cNvPr id="8" name="Picture 8"/>
+          <p:cNvPicPr>
+            <a:picLocks noChangeAspect="1"/>
+          </p:cNvPicPr>
+          <p:nvPr/>
+        </p:nvPicPr>
+        <p:blipFill>
+          <a:blip r:embed="rId4"/>
+          <a:srcRect/>
+          <a:stretch>
+            <a:fillRect/>
+          </a:stretch>
+        </p:blipFill>
+        <p:spPr>
+          <a:xfrm>
+            <a:off x="152400" y="266700"/>
+            <a:ext cx="3809997" cy="685800"/>
+          </a:xfrm>
+          <a:prstGeom prst="rect">
+            <a:avLst/>
+          </a:prstGeom>
+        </p:spPr>
+      </p:pic>
+    </p:spTree>
+  </p:cSld>
+  <p:clrMapOvr>
+    <a:masterClrMapping/>
+  </p:clrMapOvr>
+</p:sld>
+</file>
+
+<file path=ppt/slides/slide11.xml><?xml version="1.0" encoding="utf-8"?>
+<p:sld xmlns:a="http://schemas.openxmlformats.org/drawingml/2006/main" xmlns:r="http://schemas.openxmlformats.org/officeDocument/2006/relationships" xmlns:p="http://schemas.openxmlformats.org/presentationml/2006/main">
+  <p:cSld>
+    <p:spTree>
+      <p:nvGrpSpPr>
+        <p:cNvPr id="1" name=""/>
+        <p:cNvGrpSpPr/>
+        <p:nvPr/>
+      </p:nvGrpSpPr>
+      <p:grpSpPr>
+        <a:xfrm>
+          <a:off x="0" y="0"/>
+          <a:ext cx="0" cy="0"/>
+          <a:chOff x="0" y="0"/>
+          <a:chExt cx="0" cy="0"/>
+        </a:xfrm>
+      </p:grpSpPr>
+      <p:grpSp>
+        <p:nvGrpSpPr>
           <p:cNvPr id="2" name="Group 2"/>
           <p:cNvGrpSpPr/>
           <p:nvPr/>
@@ -3539,7 +3680,7 @@
 </p:sld>
 </file>
 
-<file path=ppt/slides/slide11.xml><?xml version="1.0" encoding="utf-8"?>
+<file path=ppt/slides/slide12.xml><?xml version="1.0" encoding="utf-8"?>
 <p:sld xmlns:a="http://schemas.openxmlformats.org/drawingml/2006/main" xmlns:r="http://schemas.openxmlformats.org/officeDocument/2006/relationships" xmlns:p="http://schemas.openxmlformats.org/presentationml/2006/main">
   <p:cSld>
     <p:bg>
@@ -3706,7 +3847,7 @@
 </p:sld>
 </file>
 
-<file path=ppt/slides/slide12.xml><?xml version="1.0" encoding="utf-8"?>
+<file path=ppt/slides/slide13.xml><?xml version="1.0" encoding="utf-8"?>
 <p:sld xmlns:a="http://schemas.openxmlformats.org/drawingml/2006/main" xmlns:r="http://schemas.openxmlformats.org/officeDocument/2006/relationships" xmlns:p="http://schemas.openxmlformats.org/presentationml/2006/main">
   <p:cSld>
     <p:bg>
@@ -3873,7 +4014,7 @@
 </p:sld>
 </file>
 
-<file path=ppt/slides/slide13.xml><?xml version="1.0" encoding="utf-8"?>
+<file path=ppt/slides/slide14.xml><?xml version="1.0" encoding="utf-8"?>
 <p:sld xmlns:a="http://schemas.openxmlformats.org/drawingml/2006/main" xmlns:r="http://schemas.openxmlformats.org/officeDocument/2006/relationships" xmlns:p="http://schemas.openxmlformats.org/presentationml/2006/main">
   <p:cSld>
     <p:spTree>
@@ -4160,7 +4301,7 @@
 </p:sld>
 </file>
 
-<file path=ppt/slides/slide14.xml><?xml version="1.0" encoding="utf-8"?>
+<file path=ppt/slides/slide15.xml><?xml version="1.0" encoding="utf-8"?>
 <p:sld xmlns:a="http://schemas.openxmlformats.org/drawingml/2006/main" xmlns:r="http://schemas.openxmlformats.org/officeDocument/2006/relationships" xmlns:p="http://schemas.openxmlformats.org/presentationml/2006/main">
   <p:cSld>
     <p:bg>
@@ -5265,7 +5406,7 @@
                 </a:solidFill>
                 <a:latin typeface="Fira Sans Bold"/>
               </a:rPr>
-              <a:t>EDA: “INTERVIEWING THE DATA”</a:t>
+              <a:t>FOLLOW ALONG</a:t>
             </a:r>
             <a:endParaRPr lang="en-US" sz="6649" spc="731" dirty="0">
               <a:solidFill>
@@ -5291,6 +5432,283 @@
         <p:spPr>
           <a:xfrm>
             <a:off x="1447800" y="2432917"/>
+            <a:ext cx="8077200" cy="3477875"/>
+          </a:xfrm>
+          <a:prstGeom prst="rect">
+            <a:avLst/>
+          </a:prstGeom>
+          <a:noFill/>
+        </p:spPr>
+        <p:txBody>
+          <a:bodyPr wrap="square" rtlCol="0">
+            <a:spAutoFit/>
+          </a:bodyPr>
+          <a:lstStyle/>
+          <a:p>
+            <a:pPr marL="285750" indent="-285750">
+              <a:buFont typeface="Arial" panose="020B0604020202020204" pitchFamily="34" charset="0"/>
+              <a:buChar char="•"/>
+            </a:pPr>
+            <a:r>
+              <a:rPr lang="en-US" sz="4400" dirty="0">
+                <a:latin typeface="Fira Sans Medium" panose="020B0603050000020004" pitchFamily="34" charset="0"/>
+              </a:rPr>
+              <a:t>Resources available: </a:t>
+            </a:r>
+            <a:r>
+              <a:rPr lang="en-US" sz="4400" dirty="0">
+                <a:latin typeface="Fira Sans Medium" panose="020B0603050000020004" pitchFamily="34" charset="0"/>
+                <a:hlinkClick r:id="rId5"/>
+              </a:rPr>
+              <a:t>https://github.com/stringfestdata/edna-eas-feb-2022-eda-excel</a:t>
+            </a:r>
+            <a:r>
+              <a:rPr lang="en-US" sz="4400" dirty="0">
+                <a:latin typeface="Fira Sans Medium" panose="020B0603050000020004" pitchFamily="34" charset="0"/>
+              </a:rPr>
+              <a:t>  </a:t>
+            </a:r>
+          </a:p>
+          <a:p>
+            <a:pPr marL="742950" lvl="1" indent="-285750">
+              <a:buFont typeface="Arial" panose="020B0604020202020204" pitchFamily="34" charset="0"/>
+              <a:buChar char="•"/>
+            </a:pPr>
+            <a:r>
+              <a:rPr lang="en-US" sz="4400" dirty="0">
+                <a:latin typeface="Fira Sans Medium" panose="020B0603050000020004" pitchFamily="34" charset="0"/>
+              </a:rPr>
+              <a:t>Code &gt; Download ZIP</a:t>
+            </a:r>
+            <a:endParaRPr lang="en-US" sz="4400" dirty="0">
+              <a:latin typeface="Consolas" panose="020B0609020204030204" pitchFamily="49" charset="0"/>
+            </a:endParaRPr>
+          </a:p>
+        </p:txBody>
+      </p:sp>
+    </p:spTree>
+    <p:extLst>
+      <p:ext uri="{BB962C8B-B14F-4D97-AF65-F5344CB8AC3E}">
+        <p14:creationId xmlns:p14="http://schemas.microsoft.com/office/powerpoint/2010/main" val="3234706333"/>
+      </p:ext>
+    </p:extLst>
+  </p:cSld>
+  <p:clrMapOvr>
+    <a:masterClrMapping/>
+  </p:clrMapOvr>
+</p:sld>
+</file>
+
+<file path=ppt/slides/slide4.xml><?xml version="1.0" encoding="utf-8"?>
+<p:sld xmlns:a="http://schemas.openxmlformats.org/drawingml/2006/main" xmlns:r="http://schemas.openxmlformats.org/officeDocument/2006/relationships" xmlns:p="http://schemas.openxmlformats.org/presentationml/2006/main">
+  <p:cSld>
+    <p:spTree>
+      <p:nvGrpSpPr>
+        <p:cNvPr id="1" name=""/>
+        <p:cNvGrpSpPr/>
+        <p:nvPr/>
+      </p:nvGrpSpPr>
+      <p:grpSpPr>
+        <a:xfrm>
+          <a:off x="0" y="0"/>
+          <a:ext cx="0" cy="0"/>
+          <a:chOff x="0" y="0"/>
+          <a:chExt cx="0" cy="0"/>
+        </a:xfrm>
+      </p:grpSpPr>
+      <p:sp>
+        <p:nvSpPr>
+          <p:cNvPr id="2" name="AutoShape 2"/>
+          <p:cNvSpPr/>
+          <p:nvPr/>
+        </p:nvSpPr>
+        <p:spPr>
+          <a:xfrm>
+            <a:off x="0" y="0"/>
+            <a:ext cx="18288000" cy="1910300"/>
+          </a:xfrm>
+          <a:prstGeom prst="rect">
+            <a:avLst/>
+          </a:prstGeom>
+          <a:solidFill>
+            <a:srgbClr val="0C70D4"/>
+          </a:solidFill>
+        </p:spPr>
+      </p:sp>
+      <p:grpSp>
+        <p:nvGrpSpPr>
+          <p:cNvPr id="3" name="Group 3"/>
+          <p:cNvGrpSpPr/>
+          <p:nvPr/>
+        </p:nvGrpSpPr>
+        <p:grpSpPr>
+          <a:xfrm rot="2294618">
+            <a:off x="15469920" y="3513593"/>
+            <a:ext cx="3578760" cy="8513090"/>
+            <a:chOff x="0" y="0"/>
+            <a:chExt cx="4771680" cy="11350786"/>
+          </a:xfrm>
+        </p:grpSpPr>
+        <p:pic>
+          <p:nvPicPr>
+            <p:cNvPr id="4" name="Picture 4"/>
+            <p:cNvPicPr>
+              <a:picLocks noChangeAspect="1"/>
+            </p:cNvPicPr>
+            <p:nvPr/>
+          </p:nvPicPr>
+          <p:blipFill>
+            <a:blip r:embed="rId2"/>
+            <a:srcRect/>
+            <a:stretch>
+              <a:fillRect/>
+            </a:stretch>
+          </p:blipFill>
+          <p:spPr>
+            <a:xfrm>
+              <a:off x="0" y="6579106"/>
+              <a:ext cx="4771680" cy="4771680"/>
+            </a:xfrm>
+            <a:prstGeom prst="rect">
+              <a:avLst/>
+            </a:prstGeom>
+          </p:spPr>
+        </p:pic>
+        <p:pic>
+          <p:nvPicPr>
+            <p:cNvPr id="5" name="Picture 5"/>
+            <p:cNvPicPr>
+              <a:picLocks noChangeAspect="1"/>
+            </p:cNvPicPr>
+            <p:nvPr/>
+          </p:nvPicPr>
+          <p:blipFill>
+            <a:blip r:embed="rId2"/>
+            <a:srcRect/>
+            <a:stretch>
+              <a:fillRect/>
+            </a:stretch>
+          </p:blipFill>
+          <p:spPr>
+            <a:xfrm>
+              <a:off x="0" y="3291575"/>
+              <a:ext cx="4771680" cy="4771680"/>
+            </a:xfrm>
+            <a:prstGeom prst="rect">
+              <a:avLst/>
+            </a:prstGeom>
+          </p:spPr>
+        </p:pic>
+        <p:pic>
+          <p:nvPicPr>
+            <p:cNvPr id="6" name="Picture 6"/>
+            <p:cNvPicPr>
+              <a:picLocks noChangeAspect="1"/>
+            </p:cNvPicPr>
+            <p:nvPr/>
+          </p:nvPicPr>
+          <p:blipFill>
+            <a:blip r:embed="rId3"/>
+            <a:srcRect/>
+            <a:stretch>
+              <a:fillRect/>
+            </a:stretch>
+          </p:blipFill>
+          <p:spPr>
+            <a:xfrm>
+              <a:off x="0" y="0"/>
+              <a:ext cx="4771680" cy="4771680"/>
+            </a:xfrm>
+            <a:prstGeom prst="rect">
+              <a:avLst/>
+            </a:prstGeom>
+          </p:spPr>
+        </p:pic>
+      </p:grpSp>
+      <p:pic>
+        <p:nvPicPr>
+          <p:cNvPr id="7" name="Picture 7"/>
+          <p:cNvPicPr>
+            <a:picLocks noChangeAspect="1"/>
+          </p:cNvPicPr>
+          <p:nvPr/>
+        </p:nvPicPr>
+        <p:blipFill>
+          <a:blip r:embed="rId4"/>
+          <a:srcRect/>
+          <a:stretch>
+            <a:fillRect/>
+          </a:stretch>
+        </p:blipFill>
+        <p:spPr>
+          <a:xfrm>
+            <a:off x="306323" y="135120"/>
+            <a:ext cx="1580870" cy="1580870"/>
+          </a:xfrm>
+          <a:prstGeom prst="rect">
+            <a:avLst/>
+          </a:prstGeom>
+        </p:spPr>
+      </p:pic>
+      <p:sp>
+        <p:nvSpPr>
+          <p:cNvPr id="8" name="TextBox 8"/>
+          <p:cNvSpPr txBox="1"/>
+          <p:nvPr/>
+        </p:nvSpPr>
+        <p:spPr>
+          <a:xfrm>
+            <a:off x="1676926" y="486390"/>
+            <a:ext cx="15087074" cy="923330"/>
+          </a:xfrm>
+          <a:prstGeom prst="rect">
+            <a:avLst/>
+          </a:prstGeom>
+        </p:spPr>
+        <p:txBody>
+          <a:bodyPr wrap="square" lIns="0" tIns="0" rIns="0" bIns="0" rtlCol="0" anchor="t">
+            <a:spAutoFit/>
+          </a:bodyPr>
+          <a:lstStyle/>
+          <a:p>
+            <a:pPr algn="r">
+              <a:lnSpc>
+                <a:spcPts val="7247"/>
+              </a:lnSpc>
+            </a:pPr>
+            <a:r>
+              <a:rPr lang="en-US" sz="6649" spc="731" dirty="0">
+                <a:solidFill>
+                  <a:srgbClr val="1E3653"/>
+                </a:solidFill>
+                <a:latin typeface="Fira Sans Bold"/>
+              </a:rPr>
+              <a:t>EDA: “INTERVIEWING THE DATA”</a:t>
+            </a:r>
+            <a:endParaRPr lang="en-US" sz="6649" spc="731" dirty="0">
+              <a:solidFill>
+                <a:srgbClr val="FFFFFF"/>
+              </a:solidFill>
+              <a:latin typeface="Fira Sans Bold"/>
+            </a:endParaRPr>
+          </a:p>
+        </p:txBody>
+      </p:sp>
+      <p:sp>
+        <p:nvSpPr>
+          <p:cNvPr id="9" name="TextBox 8">
+            <a:extLst>
+              <a:ext uri="{FF2B5EF4-FFF2-40B4-BE49-F238E27FC236}">
+                <a16:creationId xmlns:a16="http://schemas.microsoft.com/office/drawing/2014/main" id="{4B7021F2-E1D9-425B-8B60-9939C75FFE80}"/>
+              </a:ext>
+            </a:extLst>
+          </p:cNvPr>
+          <p:cNvSpPr txBox="1"/>
+          <p:nvPr/>
+        </p:nvSpPr>
+        <p:spPr>
+          <a:xfrm>
+            <a:off x="1447800" y="2432917"/>
             <a:ext cx="8077200" cy="4154984"/>
           </a:xfrm>
           <a:prstGeom prst="rect">
@@ -5384,7 +5802,7 @@
 </p:sld>
 </file>
 
-<file path=ppt/slides/slide4.xml><?xml version="1.0" encoding="utf-8"?>
+<file path=ppt/slides/slide5.xml><?xml version="1.0" encoding="utf-8"?>
 <p:sld xmlns:a="http://schemas.openxmlformats.org/drawingml/2006/main" xmlns:r="http://schemas.openxmlformats.org/officeDocument/2006/relationships" xmlns:p="http://schemas.openxmlformats.org/presentationml/2006/main">
   <p:cSld>
     <p:spTree>
@@ -5649,7 +6067,7 @@
 </p:sld>
 </file>
 
-<file path=ppt/slides/slide5.xml><?xml version="1.0" encoding="utf-8"?>
+<file path=ppt/slides/slide6.xml><?xml version="1.0" encoding="utf-8"?>
 <p:sld xmlns:a="http://schemas.openxmlformats.org/drawingml/2006/main" xmlns:r="http://schemas.openxmlformats.org/officeDocument/2006/relationships" xmlns:p="http://schemas.openxmlformats.org/presentationml/2006/main">
   <p:cSld>
     <p:spTree>
@@ -5952,7 +6370,7 @@
         <p:spPr>
           <a:xfrm>
             <a:off x="3276600" y="2944449"/>
-            <a:ext cx="8077200" cy="769441"/>
+            <a:ext cx="8077200" cy="2123658"/>
           </a:xfrm>
           <a:prstGeom prst="rect">
             <a:avLst/>
@@ -5974,6 +6392,30 @@
                 <a:latin typeface="Fira Sans Medium" panose="020B0603050000020004" pitchFamily="34" charset="0"/>
               </a:rPr>
               <a:t>Counting “how many” of each</a:t>
+            </a:r>
+          </a:p>
+          <a:p>
+            <a:pPr marL="742950" lvl="1" indent="-285750">
+              <a:buFont typeface="Arial" panose="020B0604020202020204" pitchFamily="34" charset="0"/>
+              <a:buChar char="•"/>
+            </a:pPr>
+            <a:r>
+              <a:rPr lang="en-US" sz="4400" dirty="0">
+                <a:latin typeface="Fira Sans Medium" panose="020B0603050000020004" pitchFamily="34" charset="0"/>
+              </a:rPr>
+              <a:t>Frequency tables</a:t>
+            </a:r>
+          </a:p>
+          <a:p>
+            <a:pPr marL="742950" lvl="1" indent="-285750">
+              <a:buFont typeface="Arial" panose="020B0604020202020204" pitchFamily="34" charset="0"/>
+              <a:buChar char="•"/>
+            </a:pPr>
+            <a:r>
+              <a:rPr lang="en-US" sz="4400" dirty="0" err="1">
+                <a:latin typeface="Fira Sans Medium" panose="020B0603050000020004" pitchFamily="34" charset="0"/>
+              </a:rPr>
+              <a:t>Barplots</a:t>
             </a:r>
             <a:endParaRPr lang="en-US" sz="4400" dirty="0">
               <a:latin typeface="Consolas" panose="020B0609020204030204" pitchFamily="49" charset="0"/>
@@ -5994,7 +6436,7 @@
 </p:sld>
 </file>
 
-<file path=ppt/slides/slide6.xml><?xml version="1.0" encoding="utf-8"?>
+<file path=ppt/slides/slide7.xml><?xml version="1.0" encoding="utf-8"?>
 <p:sld xmlns:a="http://schemas.openxmlformats.org/drawingml/2006/main" xmlns:r="http://schemas.openxmlformats.org/officeDocument/2006/relationships" xmlns:p="http://schemas.openxmlformats.org/presentationml/2006/main">
   <p:cSld>
     <p:spTree>
@@ -6363,7 +6805,7 @@
 </p:sld>
 </file>
 
-<file path=ppt/slides/slide7.xml><?xml version="1.0" encoding="utf-8"?>
+<file path=ppt/slides/slide8.xml><?xml version="1.0" encoding="utf-8"?>
 <p:sld xmlns:a="http://schemas.openxmlformats.org/drawingml/2006/main" xmlns:r="http://schemas.openxmlformats.org/officeDocument/2006/relationships" xmlns:p="http://schemas.openxmlformats.org/presentationml/2006/main">
   <p:cSld>
     <p:bg>
@@ -6487,7 +6929,7 @@
 </p:sld>
 </file>
 
-<file path=ppt/slides/slide8.xml><?xml version="1.0" encoding="utf-8"?>
+<file path=ppt/slides/slide9.xml><?xml version="1.0" encoding="utf-8"?>
 <p:sld xmlns:a="http://schemas.openxmlformats.org/drawingml/2006/main" xmlns:r="http://schemas.openxmlformats.org/officeDocument/2006/relationships" xmlns:p="http://schemas.openxmlformats.org/presentationml/2006/main">
   <p:cSld>
     <p:bg>
@@ -6584,146 +7026,6 @@
           </p:txBody>
         </p:sp>
       </p:grpSp>
-    </p:spTree>
-  </p:cSld>
-  <p:clrMapOvr>
-    <a:masterClrMapping/>
-  </p:clrMapOvr>
-</p:sld>
-</file>
-
-<file path=ppt/slides/slide9.xml><?xml version="1.0" encoding="utf-8"?>
-<p:sld xmlns:a="http://schemas.openxmlformats.org/drawingml/2006/main" xmlns:r="http://schemas.openxmlformats.org/officeDocument/2006/relationships" xmlns:p="http://schemas.openxmlformats.org/presentationml/2006/main">
-  <p:cSld>
-    <p:spTree>
-      <p:nvGrpSpPr>
-        <p:cNvPr id="1" name=""/>
-        <p:cNvGrpSpPr/>
-        <p:nvPr/>
-      </p:nvGrpSpPr>
-      <p:grpSpPr>
-        <a:xfrm>
-          <a:off x="0" y="0"/>
-          <a:ext cx="0" cy="0"/>
-          <a:chOff x="0" y="0"/>
-          <a:chExt cx="0" cy="0"/>
-        </a:xfrm>
-      </p:grpSpPr>
-      <p:grpSp>
-        <p:nvGrpSpPr>
-          <p:cNvPr id="4" name="Group 4"/>
-          <p:cNvGrpSpPr/>
-          <p:nvPr/>
-        </p:nvGrpSpPr>
-        <p:grpSpPr>
-          <a:xfrm rot="2426251">
-            <a:off x="14882915" y="6102218"/>
-            <a:ext cx="3264614" cy="7855002"/>
-            <a:chOff x="0" y="0"/>
-            <a:chExt cx="4771680" cy="11350786"/>
-          </a:xfrm>
-        </p:grpSpPr>
-        <p:pic>
-          <p:nvPicPr>
-            <p:cNvPr id="5" name="Picture 5"/>
-            <p:cNvPicPr>
-              <a:picLocks noChangeAspect="1"/>
-            </p:cNvPicPr>
-            <p:nvPr/>
-          </p:nvPicPr>
-          <p:blipFill>
-            <a:blip r:embed="rId2"/>
-            <a:srcRect/>
-            <a:stretch>
-              <a:fillRect/>
-            </a:stretch>
-          </p:blipFill>
-          <p:spPr>
-            <a:xfrm>
-              <a:off x="0" y="6579106"/>
-              <a:ext cx="4771680" cy="4771680"/>
-            </a:xfrm>
-            <a:prstGeom prst="rect">
-              <a:avLst/>
-            </a:prstGeom>
-          </p:spPr>
-        </p:pic>
-        <p:pic>
-          <p:nvPicPr>
-            <p:cNvPr id="6" name="Picture 6"/>
-            <p:cNvPicPr>
-              <a:picLocks noChangeAspect="1"/>
-            </p:cNvPicPr>
-            <p:nvPr/>
-          </p:nvPicPr>
-          <p:blipFill>
-            <a:blip r:embed="rId2"/>
-            <a:srcRect/>
-            <a:stretch>
-              <a:fillRect/>
-            </a:stretch>
-          </p:blipFill>
-          <p:spPr>
-            <a:xfrm>
-              <a:off x="0" y="3291575"/>
-              <a:ext cx="4771680" cy="4771680"/>
-            </a:xfrm>
-            <a:prstGeom prst="rect">
-              <a:avLst/>
-            </a:prstGeom>
-          </p:spPr>
-        </p:pic>
-        <p:pic>
-          <p:nvPicPr>
-            <p:cNvPr id="7" name="Picture 7"/>
-            <p:cNvPicPr>
-              <a:picLocks noChangeAspect="1"/>
-            </p:cNvPicPr>
-            <p:nvPr/>
-          </p:nvPicPr>
-          <p:blipFill>
-            <a:blip r:embed="rId3"/>
-            <a:srcRect/>
-            <a:stretch>
-              <a:fillRect/>
-            </a:stretch>
-          </p:blipFill>
-          <p:spPr>
-            <a:xfrm>
-              <a:off x="0" y="0"/>
-              <a:ext cx="4771680" cy="4771680"/>
-            </a:xfrm>
-            <a:prstGeom prst="rect">
-              <a:avLst/>
-            </a:prstGeom>
-          </p:spPr>
-        </p:pic>
-      </p:grpSp>
-      <p:pic>
-        <p:nvPicPr>
-          <p:cNvPr id="8" name="Picture 8"/>
-          <p:cNvPicPr>
-            <a:picLocks noChangeAspect="1"/>
-          </p:cNvPicPr>
-          <p:nvPr/>
-        </p:nvPicPr>
-        <p:blipFill>
-          <a:blip r:embed="rId4"/>
-          <a:srcRect/>
-          <a:stretch>
-            <a:fillRect/>
-          </a:stretch>
-        </p:blipFill>
-        <p:spPr>
-          <a:xfrm>
-            <a:off x="152400" y="266700"/>
-            <a:ext cx="3809997" cy="685800"/>
-          </a:xfrm>
-          <a:prstGeom prst="rect">
-            <a:avLst/>
-          </a:prstGeom>
-        </p:spPr>
-      </p:pic>
     </p:spTree>
   </p:cSld>
   <p:clrMapOvr>
@@ -7016,18 +7318,18 @@
 </file>
 
 <file path=customXml/item1.xml><?xml version="1.0" encoding="utf-8"?>
-<p:properties xmlns:p="http://schemas.microsoft.com/office/2006/metadata/properties" xmlns:xsi="http://www.w3.org/2001/XMLSchema-instance" xmlns:pc="http://schemas.microsoft.com/office/infopath/2007/PartnerControls">
-  <documentManagement/>
-</p:properties>
-</file>
-
-<file path=customXml/item2.xml><?xml version="1.0" encoding="utf-8"?>
 <?mso-contentType ?>
 <FormTemplates xmlns="http://schemas.microsoft.com/sharepoint/v3/contenttype/forms">
   <Display>DocumentLibraryForm</Display>
   <Edit>DocumentLibraryForm</Edit>
   <New>DocumentLibraryForm</New>
 </FormTemplates>
+</file>
+
+<file path=customXml/item2.xml><?xml version="1.0" encoding="utf-8"?>
+<p:properties xmlns:p="http://schemas.microsoft.com/office/2006/metadata/properties" xmlns:xsi="http://www.w3.org/2001/XMLSchema-instance" xmlns:pc="http://schemas.microsoft.com/office/infopath/2007/PartnerControls">
+  <documentManagement/>
+</p:properties>
 </file>
 
 <file path=customXml/item3.xml><?xml version="1.0" encoding="utf-8"?>
@@ -7248,18 +7550,18 @@
 </file>
 
 <file path=customXml/itemProps1.xml><?xml version="1.0" encoding="utf-8"?>
-<ds:datastoreItem xmlns:ds="http://schemas.openxmlformats.org/officeDocument/2006/customXml" ds:itemID="{DB2322FB-358A-4635-BB66-4945EA6C29D0}">
+<ds:datastoreItem xmlns:ds="http://schemas.openxmlformats.org/officeDocument/2006/customXml" ds:itemID="{481E6B5E-41BE-480D-A76C-3D967E91D665}">
   <ds:schemaRefs>
-    <ds:schemaRef ds:uri="http://schemas.microsoft.com/office/2006/metadata/properties"/>
-    <ds:schemaRef ds:uri="http://schemas.microsoft.com/office/infopath/2007/PartnerControls"/>
+    <ds:schemaRef ds:uri="http://schemas.microsoft.com/sharepoint/v3/contenttype/forms"/>
   </ds:schemaRefs>
 </ds:datastoreItem>
 </file>
 
 <file path=customXml/itemProps2.xml><?xml version="1.0" encoding="utf-8"?>
-<ds:datastoreItem xmlns:ds="http://schemas.openxmlformats.org/officeDocument/2006/customXml" ds:itemID="{481E6B5E-41BE-480D-A76C-3D967E91D665}">
+<ds:datastoreItem xmlns:ds="http://schemas.openxmlformats.org/officeDocument/2006/customXml" ds:itemID="{DB2322FB-358A-4635-BB66-4945EA6C29D0}">
   <ds:schemaRefs>
-    <ds:schemaRef ds:uri="http://schemas.microsoft.com/sharepoint/v3/contenttype/forms"/>
+    <ds:schemaRef ds:uri="http://schemas.microsoft.com/office/2006/metadata/properties"/>
+    <ds:schemaRef ds:uri="http://schemas.microsoft.com/office/infopath/2007/PartnerControls"/>
   </ds:schemaRefs>
 </ds:datastoreItem>
 </file>
